--- a/Наработки/иконки/окончательные/Хэбей/YSC.pptx
+++ b/Наработки/иконки/окончательные/Хэбей/YSC.pptx
@@ -197,7 +197,7 @@
           <a:p>
             <a:fld id="{8EAE4E9D-1232-45D9-9A79-48605B7A63A2}" type="datetimeFigureOut">
               <a:rPr lang="ru-RU" smtClean="0"/>
-              <a:t>20.02.2024</a:t>
+              <a:t>21.02.2024</a:t>
             </a:fld>
             <a:endParaRPr lang="ru-RU"/>
           </a:p>
@@ -684,7 +684,7 @@
           <a:p>
             <a:fld id="{E08A372E-3B29-43EF-82A8-8EE87BE67446}" type="datetimeFigureOut">
               <a:rPr lang="ru-RU" smtClean="0"/>
-              <a:t>20.02.2024</a:t>
+              <a:t>21.02.2024</a:t>
             </a:fld>
             <a:endParaRPr lang="ru-RU"/>
           </a:p>
@@ -854,7 +854,7 @@
           <a:p>
             <a:fld id="{E08A372E-3B29-43EF-82A8-8EE87BE67446}" type="datetimeFigureOut">
               <a:rPr lang="ru-RU" smtClean="0"/>
-              <a:t>20.02.2024</a:t>
+              <a:t>21.02.2024</a:t>
             </a:fld>
             <a:endParaRPr lang="ru-RU"/>
           </a:p>
@@ -1034,7 +1034,7 @@
           <a:p>
             <a:fld id="{E08A372E-3B29-43EF-82A8-8EE87BE67446}" type="datetimeFigureOut">
               <a:rPr lang="ru-RU" smtClean="0"/>
-              <a:t>20.02.2024</a:t>
+              <a:t>21.02.2024</a:t>
             </a:fld>
             <a:endParaRPr lang="ru-RU"/>
           </a:p>
@@ -1204,7 +1204,7 @@
           <a:p>
             <a:fld id="{E08A372E-3B29-43EF-82A8-8EE87BE67446}" type="datetimeFigureOut">
               <a:rPr lang="ru-RU" smtClean="0"/>
-              <a:t>20.02.2024</a:t>
+              <a:t>21.02.2024</a:t>
             </a:fld>
             <a:endParaRPr lang="ru-RU"/>
           </a:p>
@@ -1450,7 +1450,7 @@
           <a:p>
             <a:fld id="{E08A372E-3B29-43EF-82A8-8EE87BE67446}" type="datetimeFigureOut">
               <a:rPr lang="ru-RU" smtClean="0"/>
-              <a:t>20.02.2024</a:t>
+              <a:t>21.02.2024</a:t>
             </a:fld>
             <a:endParaRPr lang="ru-RU"/>
           </a:p>
@@ -1682,7 +1682,7 @@
           <a:p>
             <a:fld id="{E08A372E-3B29-43EF-82A8-8EE87BE67446}" type="datetimeFigureOut">
               <a:rPr lang="ru-RU" smtClean="0"/>
-              <a:t>20.02.2024</a:t>
+              <a:t>21.02.2024</a:t>
             </a:fld>
             <a:endParaRPr lang="ru-RU"/>
           </a:p>
@@ -2049,7 +2049,7 @@
           <a:p>
             <a:fld id="{E08A372E-3B29-43EF-82A8-8EE87BE67446}" type="datetimeFigureOut">
               <a:rPr lang="ru-RU" smtClean="0"/>
-              <a:t>20.02.2024</a:t>
+              <a:t>21.02.2024</a:t>
             </a:fld>
             <a:endParaRPr lang="ru-RU"/>
           </a:p>
@@ -2167,7 +2167,7 @@
           <a:p>
             <a:fld id="{E08A372E-3B29-43EF-82A8-8EE87BE67446}" type="datetimeFigureOut">
               <a:rPr lang="ru-RU" smtClean="0"/>
-              <a:t>20.02.2024</a:t>
+              <a:t>21.02.2024</a:t>
             </a:fld>
             <a:endParaRPr lang="ru-RU"/>
           </a:p>
@@ -2262,7 +2262,7 @@
           <a:p>
             <a:fld id="{E08A372E-3B29-43EF-82A8-8EE87BE67446}" type="datetimeFigureOut">
               <a:rPr lang="ru-RU" smtClean="0"/>
-              <a:t>20.02.2024</a:t>
+              <a:t>21.02.2024</a:t>
             </a:fld>
             <a:endParaRPr lang="ru-RU"/>
           </a:p>
@@ -2539,7 +2539,7 @@
           <a:p>
             <a:fld id="{E08A372E-3B29-43EF-82A8-8EE87BE67446}" type="datetimeFigureOut">
               <a:rPr lang="ru-RU" smtClean="0"/>
-              <a:t>20.02.2024</a:t>
+              <a:t>21.02.2024</a:t>
             </a:fld>
             <a:endParaRPr lang="ru-RU"/>
           </a:p>
@@ -2796,7 +2796,7 @@
           <a:p>
             <a:fld id="{E08A372E-3B29-43EF-82A8-8EE87BE67446}" type="datetimeFigureOut">
               <a:rPr lang="ru-RU" smtClean="0"/>
-              <a:t>20.02.2024</a:t>
+              <a:t>21.02.2024</a:t>
             </a:fld>
             <a:endParaRPr lang="ru-RU"/>
           </a:p>
@@ -3009,7 +3009,7 @@
           <a:p>
             <a:fld id="{E08A372E-3B29-43EF-82A8-8EE87BE67446}" type="datetimeFigureOut">
               <a:rPr lang="ru-RU" smtClean="0"/>
-              <a:t>20.02.2024</a:t>
+              <a:t>21.02.2024</a:t>
             </a:fld>
             <a:endParaRPr lang="ru-RU"/>
           </a:p>
@@ -4919,7 +4919,7 @@
             <a:pPr algn="ctr"/>
             <a:r>
               <a:rPr lang="ru-RU" sz="1100" dirty="0"/>
-              <a:t>Союз с местными элитами (ИКОНКА ИЗ НД КЛИКИ)</a:t>
+              <a:t>Союз с местными элитами</a:t>
             </a:r>
           </a:p>
         </p:txBody>
@@ -9684,7 +9684,7 @@
             <a:pPr algn="ctr"/>
             <a:r>
               <a:rPr lang="ru-RU" sz="1100" dirty="0"/>
-              <a:t>Заманить социалистических деятелей (ВАНИЛЬНЫЕ ЛИДЕРЫ КОМ)</a:t>
+              <a:t>Заманить социалистических деятелей</a:t>
             </a:r>
           </a:p>
         </p:txBody>
@@ -12535,6 +12535,78 @@
           <a:xfrm>
             <a:off x="19954241" y="7908969"/>
             <a:ext cx="847619" cy="752381"/>
+          </a:xfrm>
+          <a:prstGeom prst="rect">
+            <a:avLst/>
+          </a:prstGeom>
+        </p:spPr>
+      </p:pic>
+      <p:pic>
+        <p:nvPicPr>
+          <p:cNvPr id="147" name="Рисунок 146">
+            <a:extLst>
+              <a:ext uri="{FF2B5EF4-FFF2-40B4-BE49-F238E27FC236}">
+                <a16:creationId xmlns:a16="http://schemas.microsoft.com/office/drawing/2014/main" id="{E6AC9097-CD8D-412E-BA08-EA793E2057B6}"/>
+              </a:ext>
+            </a:extLst>
+          </p:cNvPr>
+          <p:cNvPicPr>
+            <a:picLocks noChangeAspect="1"/>
+          </p:cNvPicPr>
+          <p:nvPr/>
+        </p:nvPicPr>
+        <p:blipFill>
+          <a:blip r:embed="rId65">
+            <a:extLst>
+              <a:ext uri="{28A0092B-C50C-407E-A947-70E740481C1C}">
+                <a14:useLocalDpi xmlns:a14="http://schemas.microsoft.com/office/drawing/2010/main" val="0"/>
+              </a:ext>
+            </a:extLst>
+          </a:blip>
+          <a:stretch>
+            <a:fillRect/>
+          </a:stretch>
+        </p:blipFill>
+        <p:spPr>
+          <a:xfrm>
+            <a:off x="18382176" y="5701589"/>
+            <a:ext cx="1002790" cy="802232"/>
+          </a:xfrm>
+          <a:prstGeom prst="rect">
+            <a:avLst/>
+          </a:prstGeom>
+        </p:spPr>
+      </p:pic>
+      <p:pic>
+        <p:nvPicPr>
+          <p:cNvPr id="161" name="Рисунок 160">
+            <a:extLst>
+              <a:ext uri="{FF2B5EF4-FFF2-40B4-BE49-F238E27FC236}">
+                <a16:creationId xmlns:a16="http://schemas.microsoft.com/office/drawing/2014/main" id="{36D2BDD4-6A29-4F97-9A2C-1CAF75130744}"/>
+              </a:ext>
+            </a:extLst>
+          </p:cNvPr>
+          <p:cNvPicPr>
+            <a:picLocks noChangeAspect="1"/>
+          </p:cNvPicPr>
+          <p:nvPr/>
+        </p:nvPicPr>
+        <p:blipFill>
+          <a:blip r:embed="rId66">
+            <a:extLst>
+              <a:ext uri="{28A0092B-C50C-407E-A947-70E740481C1C}">
+                <a14:useLocalDpi xmlns:a14="http://schemas.microsoft.com/office/drawing/2010/main" val="0"/>
+              </a:ext>
+            </a:extLst>
+          </a:blip>
+          <a:stretch>
+            <a:fillRect/>
+          </a:stretch>
+        </p:blipFill>
+        <p:spPr>
+          <a:xfrm>
+            <a:off x="8280329" y="10077350"/>
+            <a:ext cx="977630" cy="860315"/>
           </a:xfrm>
           <a:prstGeom prst="rect">
             <a:avLst/>
